--- a/fairness_warnings.pptx
+++ b/fairness_warnings.pptx
@@ -106,7 +106,7 @@
   </p:defaultTextStyle>
   <p:extLst>
     <p:ext uri="{EFAFB233-063F-42B5-8137-9DF3F51BA10A}">
-      <p15:sldGuideLst xmlns:p15="http://schemas.microsoft.com/office/powerpoint/2012/main" xmlns=""/>
+      <p15:sldGuideLst xmlns="" xmlns:p15="http://schemas.microsoft.com/office/powerpoint/2012/main"/>
     </p:ext>
   </p:extLst>
 </p:presentation>
@@ -243,7 +243,7 @@
           <a:p>
             <a:fld id="{3510B498-9D4D-4FAD-891F-E57FF8B5A028}" type="datetimeFigureOut">
               <a:rPr lang="en-US" smtClean="0"/>
-              <a:t>11/24/19</a:t>
+              <a:t>11/28/19</a:t>
             </a:fld>
             <a:endParaRPr lang="en-US"/>
           </a:p>
@@ -413,7 +413,7 @@
           <a:p>
             <a:fld id="{3510B498-9D4D-4FAD-891F-E57FF8B5A028}" type="datetimeFigureOut">
               <a:rPr lang="en-US" smtClean="0"/>
-              <a:t>11/24/19</a:t>
+              <a:t>11/28/19</a:t>
             </a:fld>
             <a:endParaRPr lang="en-US"/>
           </a:p>
@@ -593,7 +593,7 @@
           <a:p>
             <a:fld id="{3510B498-9D4D-4FAD-891F-E57FF8B5A028}" type="datetimeFigureOut">
               <a:rPr lang="en-US" smtClean="0"/>
-              <a:t>11/24/19</a:t>
+              <a:t>11/28/19</a:t>
             </a:fld>
             <a:endParaRPr lang="en-US"/>
           </a:p>
@@ -763,7 +763,7 @@
           <a:p>
             <a:fld id="{3510B498-9D4D-4FAD-891F-E57FF8B5A028}" type="datetimeFigureOut">
               <a:rPr lang="en-US" smtClean="0"/>
-              <a:t>11/24/19</a:t>
+              <a:t>11/28/19</a:t>
             </a:fld>
             <a:endParaRPr lang="en-US"/>
           </a:p>
@@ -1007,7 +1007,7 @@
           <a:p>
             <a:fld id="{3510B498-9D4D-4FAD-891F-E57FF8B5A028}" type="datetimeFigureOut">
               <a:rPr lang="en-US" smtClean="0"/>
-              <a:t>11/24/19</a:t>
+              <a:t>11/28/19</a:t>
             </a:fld>
             <a:endParaRPr lang="en-US"/>
           </a:p>
@@ -1239,7 +1239,7 @@
           <a:p>
             <a:fld id="{3510B498-9D4D-4FAD-891F-E57FF8B5A028}" type="datetimeFigureOut">
               <a:rPr lang="en-US" smtClean="0"/>
-              <a:t>11/24/19</a:t>
+              <a:t>11/28/19</a:t>
             </a:fld>
             <a:endParaRPr lang="en-US"/>
           </a:p>
@@ -1606,7 +1606,7 @@
           <a:p>
             <a:fld id="{3510B498-9D4D-4FAD-891F-E57FF8B5A028}" type="datetimeFigureOut">
               <a:rPr lang="en-US" smtClean="0"/>
-              <a:t>11/24/19</a:t>
+              <a:t>11/28/19</a:t>
             </a:fld>
             <a:endParaRPr lang="en-US"/>
           </a:p>
@@ -1724,7 +1724,7 @@
           <a:p>
             <a:fld id="{3510B498-9D4D-4FAD-891F-E57FF8B5A028}" type="datetimeFigureOut">
               <a:rPr lang="en-US" smtClean="0"/>
-              <a:t>11/24/19</a:t>
+              <a:t>11/28/19</a:t>
             </a:fld>
             <a:endParaRPr lang="en-US"/>
           </a:p>
@@ -1819,7 +1819,7 @@
           <a:p>
             <a:fld id="{3510B498-9D4D-4FAD-891F-E57FF8B5A028}" type="datetimeFigureOut">
               <a:rPr lang="en-US" smtClean="0"/>
-              <a:t>11/24/19</a:t>
+              <a:t>11/28/19</a:t>
             </a:fld>
             <a:endParaRPr lang="en-US"/>
           </a:p>
@@ -2096,7 +2096,7 @@
           <a:p>
             <a:fld id="{3510B498-9D4D-4FAD-891F-E57FF8B5A028}" type="datetimeFigureOut">
               <a:rPr lang="en-US" smtClean="0"/>
-              <a:t>11/24/19</a:t>
+              <a:t>11/28/19</a:t>
             </a:fld>
             <a:endParaRPr lang="en-US"/>
           </a:p>
@@ -2353,7 +2353,7 @@
           <a:p>
             <a:fld id="{3510B498-9D4D-4FAD-891F-E57FF8B5A028}" type="datetimeFigureOut">
               <a:rPr lang="en-US" smtClean="0"/>
-              <a:t>11/24/19</a:t>
+              <a:t>11/28/19</a:t>
             </a:fld>
             <a:endParaRPr lang="en-US"/>
           </a:p>
@@ -2566,7 +2566,7 @@
           <a:p>
             <a:fld id="{3510B498-9D4D-4FAD-891F-E57FF8B5A028}" type="datetimeFigureOut">
               <a:rPr lang="en-US" smtClean="0"/>
-              <a:t>11/24/19</a:t>
+              <a:t>11/28/19</a:t>
             </a:fld>
             <a:endParaRPr lang="en-US"/>
           </a:p>
@@ -2976,7 +2976,7 @@
           <p:cNvPr id="11" name="Rectangle 10">
             <a:extLst>
               <a:ext uri="{FF2B5EF4-FFF2-40B4-BE49-F238E27FC236}">
-                <a16:creationId xmlns:a16="http://schemas.microsoft.com/office/drawing/2014/main" xmlns="" id="{0D074D9C-0647-4697-8C43-9C38EB7E0278}"/>
+                <a16:creationId xmlns="" xmlns:a16="http://schemas.microsoft.com/office/drawing/2014/main" id="{0D074D9C-0647-4697-8C43-9C38EB7E0278}"/>
               </a:ext>
             </a:extLst>
           </p:cNvPr>
@@ -3028,7 +3028,7 @@
           <p:cNvPr id="5" name="TextBox 4">
             <a:extLst>
               <a:ext uri="{FF2B5EF4-FFF2-40B4-BE49-F238E27FC236}">
-                <a16:creationId xmlns:a16="http://schemas.microsoft.com/office/drawing/2014/main" xmlns="" id="{F98AF760-C359-4592-BF1F-0C7A94DA9F89}"/>
+                <a16:creationId xmlns="" xmlns:a16="http://schemas.microsoft.com/office/drawing/2014/main" id="{F98AF760-C359-4592-BF1F-0C7A94DA9F89}"/>
               </a:ext>
             </a:extLst>
           </p:cNvPr>
@@ -3106,14 +3106,7 @@
                 <a:latin typeface="Lato" panose="020F0502020204030203" pitchFamily="34" charset="0"/>
                 <a:cs typeface="Arial" panose="020B0604020202020204" pitchFamily="34" charset="0"/>
               </a:rPr>
-              <a:t>you use your fair machine learning tool</a:t>
-            </a:r>
-            <a:r>
-              <a:rPr lang="en-US" sz="4800" dirty="0" smtClean="0">
-                <a:latin typeface="Lato" panose="020F0502020204030203" pitchFamily="34" charset="0"/>
-                <a:cs typeface="Arial" panose="020B0604020202020204" pitchFamily="34" charset="0"/>
-              </a:rPr>
-              <a:t>?</a:t>
+              <a:t>you use your fair machine learning tool?</a:t>
             </a:r>
           </a:p>
           <a:p>
@@ -3221,14 +3214,7 @@
                 <a:latin typeface="Lato" panose="020F0502020204030203" pitchFamily="34" charset="0"/>
                 <a:cs typeface="Arial" panose="020B0604020202020204" pitchFamily="34" charset="0"/>
               </a:rPr>
-              <a:t>Perturb data </a:t>
-            </a:r>
-            <a:r>
-              <a:rPr lang="en-US" sz="4800" dirty="0" smtClean="0">
-                <a:latin typeface="Lato" panose="020F0502020204030203" pitchFamily="34" charset="0"/>
-                <a:cs typeface="Arial" panose="020B0604020202020204" pitchFamily="34" charset="0"/>
-              </a:rPr>
-              <a:t>set. </a:t>
+              <a:t>Perturb data set. </a:t>
             </a:r>
             <a:endParaRPr lang="en-US" sz="4800" dirty="0">
               <a:latin typeface="Lato" panose="020F0502020204030203" pitchFamily="34" charset="0"/>
@@ -3248,14 +3234,7 @@
                 <a:latin typeface="Lato" panose="020F0502020204030203" pitchFamily="34" charset="0"/>
                 <a:cs typeface="Arial" panose="020B0604020202020204" pitchFamily="34" charset="0"/>
               </a:rPr>
-              <a:t>Label perturbation covariates by binary notion of model </a:t>
-            </a:r>
-            <a:r>
-              <a:rPr lang="en-US" sz="4800" dirty="0" smtClean="0">
-                <a:latin typeface="Lato" panose="020F0502020204030203" pitchFamily="34" charset="0"/>
-                <a:cs typeface="Arial" panose="020B0604020202020204" pitchFamily="34" charset="0"/>
-              </a:rPr>
-              <a:t>fairness (e.g. &lt; 80% demographic parity).</a:t>
+              <a:t>Label perturbation covariates by binary notion of model fairness (e.g. &lt; 80% demographic parity).</a:t>
             </a:r>
             <a:endParaRPr lang="en-US" sz="4800" dirty="0">
               <a:latin typeface="Lato" panose="020F0502020204030203" pitchFamily="34" charset="0"/>
@@ -3275,14 +3254,7 @@
                 <a:latin typeface="Lato" panose="020F0502020204030203" pitchFamily="34" charset="0"/>
                 <a:cs typeface="Arial" panose="020B0604020202020204" pitchFamily="34" charset="0"/>
               </a:rPr>
-              <a:t>Predict covariate shift fairness behavior with interpretable </a:t>
-            </a:r>
-            <a:r>
-              <a:rPr lang="en-US" sz="4800" dirty="0" smtClean="0">
-                <a:latin typeface="Lato" panose="020F0502020204030203" pitchFamily="34" charset="0"/>
-                <a:cs typeface="Arial" panose="020B0604020202020204" pitchFamily="34" charset="0"/>
-              </a:rPr>
-              <a:t>model.</a:t>
+              <a:t>Predict covariate shift fairness behavior with interpretable model.</a:t>
             </a:r>
             <a:endParaRPr lang="en-US" sz="4800" b="1" dirty="0">
               <a:latin typeface="Lato" panose="020F0502020204030203" pitchFamily="34" charset="0"/>
@@ -3296,7 +3268,7 @@
           <p:cNvPr id="6" name="TextBox 5">
             <a:extLst>
               <a:ext uri="{FF2B5EF4-FFF2-40B4-BE49-F238E27FC236}">
-                <a16:creationId xmlns:a16="http://schemas.microsoft.com/office/drawing/2014/main" xmlns="" id="{1E1E7EF1-9C6B-4FC5-9AB8-52260F86FE16}"/>
+                <a16:creationId xmlns="" xmlns:a16="http://schemas.microsoft.com/office/drawing/2014/main" id="{1E1E7EF1-9C6B-4FC5-9AB8-52260F86FE16}"/>
               </a:ext>
             </a:extLst>
           </p:cNvPr>
@@ -3354,7 +3326,7 @@
           <p:cNvPr id="7" name="TextBox 6">
             <a:extLst>
               <a:ext uri="{FF2B5EF4-FFF2-40B4-BE49-F238E27FC236}">
-                <a16:creationId xmlns:a16="http://schemas.microsoft.com/office/drawing/2014/main" xmlns="" id="{533EE459-B491-419A-8641-59F82ADBA5B3}"/>
+                <a16:creationId xmlns="" xmlns:a16="http://schemas.microsoft.com/office/drawing/2014/main" id="{533EE459-B491-419A-8641-59F82ADBA5B3}"/>
               </a:ext>
             </a:extLst>
           </p:cNvPr>
@@ -3427,7 +3399,7 @@
           <p:cNvPr id="8" name="Graphic 18">
             <a:extLst>
               <a:ext uri="{FF2B5EF4-FFF2-40B4-BE49-F238E27FC236}">
-                <a16:creationId xmlns:a16="http://schemas.microsoft.com/office/drawing/2014/main" xmlns="" id="{AEDBCDB9-CB31-46F9-BCA9-A3365D112F83}"/>
+                <a16:creationId xmlns="" xmlns:a16="http://schemas.microsoft.com/office/drawing/2014/main" id="{AEDBCDB9-CB31-46F9-BCA9-A3365D112F83}"/>
               </a:ext>
             </a:extLst>
           </p:cNvPr>
@@ -3631,7 +3603,7 @@
           <p:cNvPr id="10" name="Rectangle 9">
             <a:extLst>
               <a:ext uri="{FF2B5EF4-FFF2-40B4-BE49-F238E27FC236}">
-                <a16:creationId xmlns:a16="http://schemas.microsoft.com/office/drawing/2014/main" xmlns="" id="{030386EC-D1AC-48D0-B2EC-0AD1DA88A8AB}"/>
+                <a16:creationId xmlns="" xmlns:a16="http://schemas.microsoft.com/office/drawing/2014/main" id="{030386EC-D1AC-48D0-B2EC-0AD1DA88A8AB}"/>
               </a:ext>
             </a:extLst>
           </p:cNvPr>
@@ -3683,7 +3655,7 @@
           <p:cNvPr id="2" name="Rectangle 1">
             <a:extLst>
               <a:ext uri="{FF2B5EF4-FFF2-40B4-BE49-F238E27FC236}">
-                <a16:creationId xmlns:a16="http://schemas.microsoft.com/office/drawing/2014/main" xmlns="" id="{699EE2F9-E368-471F-966F-6846CB3D7866}"/>
+                <a16:creationId xmlns="" xmlns:a16="http://schemas.microsoft.com/office/drawing/2014/main" id="{699EE2F9-E368-471F-966F-6846CB3D7866}"/>
               </a:ext>
             </a:extLst>
           </p:cNvPr>
@@ -3763,7 +3735,7 @@
           <p:cNvPr id="3" name="Rectangle 2">
             <a:extLst>
               <a:ext uri="{FF2B5EF4-FFF2-40B4-BE49-F238E27FC236}">
-                <a16:creationId xmlns:a16="http://schemas.microsoft.com/office/drawing/2014/main" xmlns="" id="{643038D2-6694-4FF1-AFD6-35D55E87C41A}"/>
+                <a16:creationId xmlns="" xmlns:a16="http://schemas.microsoft.com/office/drawing/2014/main" id="{643038D2-6694-4FF1-AFD6-35D55E87C41A}"/>
               </a:ext>
             </a:extLst>
           </p:cNvPr>
@@ -3936,12 +3908,19 @@
               </a:lnSpc>
             </a:pPr>
             <a:r>
-              <a:rPr lang="en-US" sz="4800" dirty="0" smtClean="0">
+              <a:rPr lang="en-US" sz="4800" b="1" dirty="0" smtClean="0">
+                <a:solidFill>
+                  <a:srgbClr val="7CC6FE"/>
+                </a:solidFill>
                 <a:latin typeface="Lato Black" panose="020F0A02020204030203" pitchFamily="34" charset="0"/>
                 <a:cs typeface="Arial" panose="020B0604020202020204" pitchFamily="34" charset="0"/>
               </a:rPr>
-              <a:t>Limitations:</a:t>
-            </a:r>
+              <a:t>LIMITATIONS</a:t>
+            </a:r>
+            <a:endParaRPr lang="en-US" sz="4800" dirty="0" smtClean="0">
+              <a:latin typeface="Lato Black" panose="020F0A02020204030203" pitchFamily="34" charset="0"/>
+              <a:cs typeface="Arial" panose="020B0604020202020204" pitchFamily="34" charset="0"/>
+            </a:endParaRPr>
           </a:p>
           <a:p>
             <a:pPr marL="685800" indent="-685800">
@@ -3997,7 +3976,7 @@
           <p:cNvPr id="16" name="TextBox 15">
             <a:extLst>
               <a:ext uri="{FF2B5EF4-FFF2-40B4-BE49-F238E27FC236}">
-                <a16:creationId xmlns:a16="http://schemas.microsoft.com/office/drawing/2014/main" xmlns="" id="{FEF09AAC-A47D-43E5-A106-FABBAC32BA3E}"/>
+                <a16:creationId xmlns="" xmlns:a16="http://schemas.microsoft.com/office/drawing/2014/main" id="{FEF09AAC-A47D-43E5-A106-FABBAC32BA3E}"/>
               </a:ext>
             </a:extLst>
           </p:cNvPr>
@@ -4093,7 +4072,7 @@
       </p:pic>
       <p:pic>
         <p:nvPicPr>
-          <p:cNvPr id="20" name="Picture 19" descr="qr-code.png"/>
+          <p:cNvPr id="27" name="Picture 26" descr="Screen Shot 2019-11-22 at 10.46.37 PM.jpg"/>
           <p:cNvPicPr>
             <a:picLocks noChangeAspect="1"/>
           </p:cNvPicPr>
@@ -4101,36 +4080,6 @@
         </p:nvPicPr>
         <p:blipFill>
           <a:blip r:embed="rId4">
-            <a:extLst>
-              <a:ext uri="{28A0092B-C50C-407E-A947-70E740481C1C}">
-                <a14:useLocalDpi xmlns:a14="http://schemas.microsoft.com/office/drawing/2010/main" val="0"/>
-              </a:ext>
-            </a:extLst>
-          </a:blip>
-          <a:stretch>
-            <a:fillRect/>
-          </a:stretch>
-        </p:blipFill>
-        <p:spPr>
-          <a:xfrm>
-            <a:off x="25570508" y="32885757"/>
-            <a:ext cx="6032397" cy="6032397"/>
-          </a:xfrm>
-          <a:prstGeom prst="rect">
-            <a:avLst/>
-          </a:prstGeom>
-        </p:spPr>
-      </p:pic>
-      <p:pic>
-        <p:nvPicPr>
-          <p:cNvPr id="27" name="Picture 26" descr="Screen Shot 2019-11-22 at 10.46.37 PM.jpg"/>
-          <p:cNvPicPr>
-            <a:picLocks noChangeAspect="1"/>
-          </p:cNvPicPr>
-          <p:nvPr/>
-        </p:nvPicPr>
-        <p:blipFill>
-          <a:blip r:embed="rId5">
             <a:extLst>
               <a:ext uri="{28A0092B-C50C-407E-A947-70E740481C1C}">
                 <a14:useLocalDpi xmlns:a14="http://schemas.microsoft.com/office/drawing/2010/main" val="0"/>
@@ -4156,7 +4105,7 @@
           <p:cNvPr id="30" name="TextBox 29">
             <a:extLst>
               <a:ext uri="{FF2B5EF4-FFF2-40B4-BE49-F238E27FC236}">
-                <a16:creationId xmlns:a16="http://schemas.microsoft.com/office/drawing/2014/main" xmlns="" id="{F98AF760-C359-4592-BF1F-0C7A94DA9F89}"/>
+                <a16:creationId xmlns="" xmlns:a16="http://schemas.microsoft.com/office/drawing/2014/main" id="{F98AF760-C359-4592-BF1F-0C7A94DA9F89}"/>
               </a:ext>
             </a:extLst>
           </p:cNvPr>
@@ -4165,8 +4114,8 @@
         </p:nvSpPr>
         <p:spPr>
           <a:xfrm>
-            <a:off x="13302968" y="33447761"/>
-            <a:ext cx="11564892" cy="5136791"/>
+            <a:off x="12634478" y="32779351"/>
+            <a:ext cx="10361608" cy="6355586"/>
           </a:xfrm>
           <a:prstGeom prst="rect">
             <a:avLst/>
@@ -4238,7 +4187,7 @@
           <p:cNvPr id="19" name="TextBox 18">
             <a:extLst>
               <a:ext uri="{FF2B5EF4-FFF2-40B4-BE49-F238E27FC236}">
-                <a16:creationId xmlns:a16="http://schemas.microsoft.com/office/drawing/2014/main" xmlns="" id="{5BAD9AF1-DB1F-458B-8FD1-3E2EA4A57D8C}"/>
+                <a16:creationId xmlns="" xmlns:a16="http://schemas.microsoft.com/office/drawing/2014/main" id="{5BAD9AF1-DB1F-458B-8FD1-3E2EA4A57D8C}"/>
               </a:ext>
             </a:extLst>
           </p:cNvPr>
@@ -4353,6 +4302,123 @@
               </a:solidFill>
               <a:latin typeface="Lato" panose="020F0502020204030203" pitchFamily="34" charset="0"/>
               <a:cs typeface="Lato" panose="020F0502020204030203" pitchFamily="34" charset="0"/>
+            </a:endParaRPr>
+          </a:p>
+        </p:txBody>
+      </p:sp>
+      <p:pic>
+        <p:nvPicPr>
+          <p:cNvPr id="18" name="Picture 17" descr="qr-code (4).png"/>
+          <p:cNvPicPr>
+            <a:picLocks noChangeAspect="1"/>
+          </p:cNvPicPr>
+          <p:nvPr/>
+        </p:nvPicPr>
+        <p:blipFill>
+          <a:blip r:embed="rId5">
+            <a:extLst>
+              <a:ext uri="{28A0092B-C50C-407E-A947-70E740481C1C}">
+                <a14:useLocalDpi xmlns:a14="http://schemas.microsoft.com/office/drawing/2010/main" val="0"/>
+              </a:ext>
+            </a:extLst>
+          </a:blip>
+          <a:stretch>
+            <a:fillRect/>
+          </a:stretch>
+        </p:blipFill>
+        <p:spPr>
+          <a:xfrm>
+            <a:off x="25349200" y="32562800"/>
+            <a:ext cx="6553200" cy="6553200"/>
+          </a:xfrm>
+          <a:prstGeom prst="rect">
+            <a:avLst/>
+          </a:prstGeom>
+        </p:spPr>
+      </p:pic>
+      <p:sp>
+        <p:nvSpPr>
+          <p:cNvPr id="21" name="TextBox 20">
+            <a:extLst>
+              <a:ext uri="{FF2B5EF4-FFF2-40B4-BE49-F238E27FC236}">
+                <a16:creationId xmlns:a16="http://schemas.microsoft.com/office/drawing/2014/main" xmlns="" id="{F98AF760-C359-4592-BF1F-0C7A94DA9F89}"/>
+              </a:ext>
+            </a:extLst>
+          </p:cNvPr>
+          <p:cNvSpPr txBox="1"/>
+          <p:nvPr/>
+        </p:nvSpPr>
+        <p:spPr>
+          <a:xfrm>
+            <a:off x="22148800" y="33042846"/>
+            <a:ext cx="3810000" cy="2726900"/>
+          </a:xfrm>
+          <a:prstGeom prst="rect">
+            <a:avLst/>
+          </a:prstGeom>
+          <a:noFill/>
+          <a:ln>
+            <a:noFill/>
+          </a:ln>
+        </p:spPr>
+        <p:txBody>
+          <a:bodyPr wrap="square" rtlCol="0">
+            <a:spAutoFit/>
+          </a:bodyPr>
+          <a:lstStyle/>
+          <a:p>
+            <a:pPr>
+              <a:lnSpc>
+                <a:spcPct val="120000"/>
+              </a:lnSpc>
+            </a:pPr>
+            <a:r>
+              <a:rPr lang="en-US" sz="4800" dirty="0" smtClean="0">
+                <a:solidFill>
+                  <a:schemeClr val="bg1"/>
+                </a:solidFill>
+                <a:latin typeface="Lato" panose="020F0502020204030203" pitchFamily="34" charset="0"/>
+                <a:cs typeface="Arial" panose="020B0604020202020204" pitchFamily="34" charset="0"/>
+              </a:rPr>
+              <a:t>Scan code for </a:t>
+            </a:r>
+            <a:r>
+              <a:rPr lang="en-US" sz="4800" dirty="0" err="1" smtClean="0">
+                <a:solidFill>
+                  <a:schemeClr val="bg1"/>
+                </a:solidFill>
+                <a:latin typeface="Lato" panose="020F0502020204030203" pitchFamily="34" charset="0"/>
+                <a:cs typeface="Arial" panose="020B0604020202020204" pitchFamily="34" charset="0"/>
+              </a:rPr>
+              <a:t>arXiv</a:t>
+            </a:r>
+            <a:r>
+              <a:rPr lang="en-US" sz="4800" dirty="0" smtClean="0">
+                <a:solidFill>
+                  <a:schemeClr val="bg1"/>
+                </a:solidFill>
+                <a:latin typeface="Lato" panose="020F0502020204030203" pitchFamily="34" charset="0"/>
+                <a:cs typeface="Arial" panose="020B0604020202020204" pitchFamily="34" charset="0"/>
+              </a:rPr>
+              <a:t>.</a:t>
+            </a:r>
+            <a:endParaRPr lang="en-US" sz="4800" dirty="0" smtClean="0">
+              <a:solidFill>
+                <a:schemeClr val="bg1"/>
+              </a:solidFill>
+              <a:latin typeface="Lato Black" panose="020F0A02020204030203" pitchFamily="34" charset="0"/>
+              <a:cs typeface="Arial" panose="020B0604020202020204" pitchFamily="34" charset="0"/>
+            </a:endParaRPr>
+          </a:p>
+          <a:p>
+            <a:pPr>
+              <a:lnSpc>
+                <a:spcPct val="120000"/>
+              </a:lnSpc>
+            </a:pPr>
+            <a:endParaRPr lang="en-US" sz="4800" b="1" dirty="0">
+              <a:latin typeface="Lato" panose="020F0502020204030203" pitchFamily="34" charset="0"/>
+              <a:cs typeface="Arial" panose="020B0604020202020204" pitchFamily="34" charset="0"/>
             </a:endParaRPr>
           </a:p>
         </p:txBody>
@@ -4625,7 +4691,7 @@
   <a:extraClrSchemeLst/>
   <a:extLst>
     <a:ext uri="{05A4C25C-085E-4340-85A3-A5531E510DB2}">
-      <thm15:themeFamily xmlns:thm15="http://schemas.microsoft.com/office/thememl/2012/main" xmlns="" name="Office Theme" id="{62F939B6-93AF-4DB8-9C6B-D6C7DFDC589F}" vid="{4A3C46E8-61CC-4603-A589-7422A47A8E4A}"/>
+      <thm15:themeFamily xmlns="" xmlns:thm15="http://schemas.microsoft.com/office/thememl/2012/main" name="Office Theme" id="{62F939B6-93AF-4DB8-9C6B-D6C7DFDC589F}" vid="{4A3C46E8-61CC-4603-A589-7422A47A8E4A}"/>
     </a:ext>
   </a:extLst>
 </a:theme>
